--- a/image/logo.pptx
+++ b/image/logo.pptx
@@ -112,16 +112,48 @@
 </p:presentation>
 </file>
 
-<file path=ppt/revisionInfo.xml><?xml version="1.0" encoding="utf-8"?>
-<p1510:revInfo xmlns:a="http://schemas.openxmlformats.org/drawingml/2006/main" xmlns:r="http://schemas.openxmlformats.org/officeDocument/2006/relationships" xmlns:p1510="http://schemas.microsoft.com/office/powerpoint/2015/10/main">
-  <p1510:revLst>
-    <p1510:client id="{7410FAA8-896C-466F-B729-F060F8EC387A}" v="26" dt="2023-07-20T04:57:52.173"/>
-  </p1510:revLst>
-</p1510:revInfo>
-</file>
-
 <file path=ppt/changesInfos/changesInfo1.xml><?xml version="1.0" encoding="utf-8"?>
 <pc:chgInfo xmlns:a="http://schemas.openxmlformats.org/drawingml/2006/main" xmlns:r="http://schemas.openxmlformats.org/officeDocument/2006/relationships" xmlns:ac="http://schemas.microsoft.com/office/drawing/2013/main/command" xmlns:pc="http://schemas.microsoft.com/office/powerpoint/2013/main/command">
+  <pc:docChgLst>
+    <pc:chgData name="FANG Yuan" userId="b5d0890b-fe14-4d76-8bda-fbd77c7234fc" providerId="ADAL" clId="{72B6D555-D3F1-48AB-A2C6-C264A81C4840}"/>
+    <pc:docChg chg="modSld">
+      <pc:chgData name="FANG Yuan" userId="b5d0890b-fe14-4d76-8bda-fbd77c7234fc" providerId="ADAL" clId="{72B6D555-D3F1-48AB-A2C6-C264A81C4840}" dt="2023-10-31T08:35:46.240" v="7" actId="12788"/>
+      <pc:docMkLst>
+        <pc:docMk/>
+      </pc:docMkLst>
+      <pc:sldChg chg="modSp mod">
+        <pc:chgData name="FANG Yuan" userId="b5d0890b-fe14-4d76-8bda-fbd77c7234fc" providerId="ADAL" clId="{72B6D555-D3F1-48AB-A2C6-C264A81C4840}" dt="2023-10-31T08:35:46.240" v="7" actId="12788"/>
+        <pc:sldMkLst>
+          <pc:docMk/>
+          <pc:sldMk cId="3177464680" sldId="256"/>
+        </pc:sldMkLst>
+        <pc:spChg chg="mod">
+          <ac:chgData name="FANG Yuan" userId="b5d0890b-fe14-4d76-8bda-fbd77c7234fc" providerId="ADAL" clId="{72B6D555-D3F1-48AB-A2C6-C264A81C4840}" dt="2023-10-31T08:35:46.240" v="7" actId="12788"/>
+          <ac:spMkLst>
+            <pc:docMk/>
+            <pc:sldMk cId="3177464680" sldId="256"/>
+            <ac:spMk id="134" creationId="{07B2D751-E483-1453-07D5-BEB17AA46EDE}"/>
+          </ac:spMkLst>
+        </pc:spChg>
+        <pc:spChg chg="mod">
+          <ac:chgData name="FANG Yuan" userId="b5d0890b-fe14-4d76-8bda-fbd77c7234fc" providerId="ADAL" clId="{72B6D555-D3F1-48AB-A2C6-C264A81C4840}" dt="2023-10-31T08:35:46.240" v="7" actId="12788"/>
+          <ac:spMkLst>
+            <pc:docMk/>
+            <pc:sldMk cId="3177464680" sldId="256"/>
+            <ac:spMk id="135" creationId="{C0566399-70FC-30A5-4AA2-C788BF3E1392}"/>
+          </ac:spMkLst>
+        </pc:spChg>
+        <pc:cxnChg chg="mod">
+          <ac:chgData name="FANG Yuan" userId="b5d0890b-fe14-4d76-8bda-fbd77c7234fc" providerId="ADAL" clId="{72B6D555-D3F1-48AB-A2C6-C264A81C4840}" dt="2023-10-31T08:35:46.240" v="7" actId="12788"/>
+          <ac:cxnSpMkLst>
+            <pc:docMk/>
+            <pc:sldMk cId="3177464680" sldId="256"/>
+            <ac:cxnSpMk id="137" creationId="{B1D819FA-28A5-1716-1852-BAF5082DCE9D}"/>
+          </ac:cxnSpMkLst>
+        </pc:cxnChg>
+      </pc:sldChg>
+    </pc:docChg>
+  </pc:docChgLst>
   <pc:docChgLst>
     <pc:chgData name="FANG Yuan" userId="b5d0890b-fe14-4d76-8bda-fbd77c7234fc" providerId="ADAL" clId="{7410FAA8-896C-466F-B729-F060F8EC387A}"/>
     <pc:docChg chg="undo custSel addSld modSld">
@@ -546,7 +578,7 @@
           <a:p>
             <a:fld id="{F21350D7-A8CE-48F6-A4DB-F63EEB048913}" type="datetimeFigureOut">
               <a:rPr lang="en-SG" smtClean="0"/>
-              <a:t>20/7/2023</a:t>
+              <a:t>31/10/2023</a:t>
             </a:fld>
             <a:endParaRPr lang="en-SG"/>
           </a:p>
@@ -746,7 +778,7 @@
           <a:p>
             <a:fld id="{F21350D7-A8CE-48F6-A4DB-F63EEB048913}" type="datetimeFigureOut">
               <a:rPr lang="en-SG" smtClean="0"/>
-              <a:t>20/7/2023</a:t>
+              <a:t>31/10/2023</a:t>
             </a:fld>
             <a:endParaRPr lang="en-SG"/>
           </a:p>
@@ -956,7 +988,7 @@
           <a:p>
             <a:fld id="{F21350D7-A8CE-48F6-A4DB-F63EEB048913}" type="datetimeFigureOut">
               <a:rPr lang="en-SG" smtClean="0"/>
-              <a:t>20/7/2023</a:t>
+              <a:t>31/10/2023</a:t>
             </a:fld>
             <a:endParaRPr lang="en-SG"/>
           </a:p>
@@ -1156,7 +1188,7 @@
           <a:p>
             <a:fld id="{F21350D7-A8CE-48F6-A4DB-F63EEB048913}" type="datetimeFigureOut">
               <a:rPr lang="en-SG" smtClean="0"/>
-              <a:t>20/7/2023</a:t>
+              <a:t>31/10/2023</a:t>
             </a:fld>
             <a:endParaRPr lang="en-SG"/>
           </a:p>
@@ -1432,7 +1464,7 @@
           <a:p>
             <a:fld id="{F21350D7-A8CE-48F6-A4DB-F63EEB048913}" type="datetimeFigureOut">
               <a:rPr lang="en-SG" smtClean="0"/>
-              <a:t>20/7/2023</a:t>
+              <a:t>31/10/2023</a:t>
             </a:fld>
             <a:endParaRPr lang="en-SG"/>
           </a:p>
@@ -1700,7 +1732,7 @@
           <a:p>
             <a:fld id="{F21350D7-A8CE-48F6-A4DB-F63EEB048913}" type="datetimeFigureOut">
               <a:rPr lang="en-SG" smtClean="0"/>
-              <a:t>20/7/2023</a:t>
+              <a:t>31/10/2023</a:t>
             </a:fld>
             <a:endParaRPr lang="en-SG"/>
           </a:p>
@@ -2115,7 +2147,7 @@
           <a:p>
             <a:fld id="{F21350D7-A8CE-48F6-A4DB-F63EEB048913}" type="datetimeFigureOut">
               <a:rPr lang="en-SG" smtClean="0"/>
-              <a:t>20/7/2023</a:t>
+              <a:t>31/10/2023</a:t>
             </a:fld>
             <a:endParaRPr lang="en-SG"/>
           </a:p>
@@ -2257,7 +2289,7 @@
           <a:p>
             <a:fld id="{F21350D7-A8CE-48F6-A4DB-F63EEB048913}" type="datetimeFigureOut">
               <a:rPr lang="en-SG" smtClean="0"/>
-              <a:t>20/7/2023</a:t>
+              <a:t>31/10/2023</a:t>
             </a:fld>
             <a:endParaRPr lang="en-SG"/>
           </a:p>
@@ -2370,7 +2402,7 @@
           <a:p>
             <a:fld id="{F21350D7-A8CE-48F6-A4DB-F63EEB048913}" type="datetimeFigureOut">
               <a:rPr lang="en-SG" smtClean="0"/>
-              <a:t>20/7/2023</a:t>
+              <a:t>31/10/2023</a:t>
             </a:fld>
             <a:endParaRPr lang="en-SG"/>
           </a:p>
@@ -2683,7 +2715,7 @@
           <a:p>
             <a:fld id="{F21350D7-A8CE-48F6-A4DB-F63EEB048913}" type="datetimeFigureOut">
               <a:rPr lang="en-SG" smtClean="0"/>
-              <a:t>20/7/2023</a:t>
+              <a:t>31/10/2023</a:t>
             </a:fld>
             <a:endParaRPr lang="en-SG"/>
           </a:p>
@@ -2972,7 +3004,7 @@
           <a:p>
             <a:fld id="{F21350D7-A8CE-48F6-A4DB-F63EEB048913}" type="datetimeFigureOut">
               <a:rPr lang="en-SG" smtClean="0"/>
-              <a:t>20/7/2023</a:t>
+              <a:t>31/10/2023</a:t>
             </a:fld>
             <a:endParaRPr lang="en-SG"/>
           </a:p>
@@ -3215,7 +3247,7 @@
           <a:p>
             <a:fld id="{F21350D7-A8CE-48F6-A4DB-F63EEB048913}" type="datetimeFigureOut">
               <a:rPr lang="en-SG" smtClean="0"/>
-              <a:t>20/7/2023</a:t>
+              <a:t>31/10/2023</a:t>
             </a:fld>
             <a:endParaRPr lang="en-SG"/>
           </a:p>
@@ -4507,8 +4539,8 @@
         </p:nvSpPr>
         <p:spPr>
           <a:xfrm>
-            <a:off x="1545270" y="883902"/>
-            <a:ext cx="5060744" cy="400110"/>
+            <a:off x="1503079" y="883902"/>
+            <a:ext cx="5145127" cy="400110"/>
           </a:xfrm>
           <a:prstGeom prst="rect">
             <a:avLst/>
@@ -4548,7 +4580,7 @@
             </a:r>
             <a:r>
               <a:rPr lang="en-SG" sz="2000" dirty="0"/>
-              <a:t> of </a:t>
+              <a:t> for </a:t>
             </a:r>
             <a:r>
               <a:rPr lang="en-SG" sz="2000" b="1" dirty="0">
@@ -4593,8 +4625,8 @@
         </p:nvCxnSpPr>
         <p:spPr>
           <a:xfrm>
-            <a:off x="1663642" y="800574"/>
-            <a:ext cx="4824000" cy="0"/>
+            <a:off x="1627642" y="800574"/>
+            <a:ext cx="4896000" cy="0"/>
           </a:xfrm>
           <a:prstGeom prst="line">
             <a:avLst/>
